--- a/document/90.임시/PM-1210.Web 폴더 구조_20210201_v1.0.pptx
+++ b/document/90.임시/PM-1210.Web 폴더 구조_20210201_v1.0.pptx
@@ -19695,7 +19695,7 @@
         </p:nvSpPr>
         <p:spPr>
           <a:xfrm>
-            <a:off x="650559" y="1047182"/>
+            <a:off x="650559" y="967672"/>
             <a:ext cx="3240000" cy="368433"/>
           </a:xfrm>
           <a:prstGeom prst="roundRect">
@@ -20216,7 +20216,7 @@
         </p:nvSpPr>
         <p:spPr bwMode="auto">
           <a:xfrm>
-            <a:off x="4175018" y="1629139"/>
+            <a:off x="3030031" y="4221264"/>
             <a:ext cx="1173784" cy="368433"/>
           </a:xfrm>
           <a:prstGeom prst="rect">
@@ -20293,7 +20293,7 @@
         </p:nvSpPr>
         <p:spPr bwMode="auto">
           <a:xfrm>
-            <a:off x="4175018" y="2099453"/>
+            <a:off x="3030031" y="4691578"/>
             <a:ext cx="1173784" cy="368433"/>
           </a:xfrm>
           <a:prstGeom prst="rect">
@@ -20370,8 +20370,8 @@
         </p:nvSpPr>
         <p:spPr bwMode="auto">
           <a:xfrm>
-            <a:off x="5948159" y="1629139"/>
-            <a:ext cx="1173784" cy="368433"/>
+            <a:off x="4636190" y="1629139"/>
+            <a:ext cx="2305295" cy="368433"/>
           </a:xfrm>
           <a:prstGeom prst="rect">
             <a:avLst/>
@@ -20442,19 +20442,19 @@
           </p:cNvPr>
           <p:cNvCxnSpPr>
             <a:cxnSpLocks/>
-            <a:stCxn id="18" idx="3"/>
+            <a:stCxn id="18" idx="1"/>
             <a:endCxn id="22" idx="1"/>
           </p:cNvCxnSpPr>
           <p:nvPr/>
         </p:nvCxnSpPr>
         <p:spPr bwMode="auto">
-          <a:xfrm flipV="1">
-            <a:off x="3849983" y="1813356"/>
-            <a:ext cx="325035" cy="1675730"/>
+          <a:xfrm rot="10800000" flipH="1" flipV="1">
+            <a:off x="2429705" y="3489085"/>
+            <a:ext cx="600326" cy="916395"/>
           </a:xfrm>
           <a:prstGeom prst="bentConnector3">
             <a:avLst>
-              <a:gd name="adj1" fmla="val 50000"/>
+              <a:gd name="adj1" fmla="val -38079"/>
             </a:avLst>
           </a:prstGeom>
           <a:ln>
@@ -20499,12 +20499,14 @@
           <p:nvPr/>
         </p:nvCxnSpPr>
         <p:spPr bwMode="auto">
-          <a:xfrm>
-            <a:off x="5348802" y="1813356"/>
-            <a:ext cx="599357" cy="0"/>
+          <a:xfrm flipV="1">
+            <a:off x="4203815" y="1813356"/>
+            <a:ext cx="432375" cy="2592125"/>
           </a:xfrm>
-          <a:prstGeom prst="straightConnector1">
-            <a:avLst/>
+          <a:prstGeom prst="bentConnector3">
+            <a:avLst>
+              <a:gd name="adj1" fmla="val 50000"/>
+            </a:avLst>
           </a:prstGeom>
           <a:ln>
             <a:headEnd type="none" w="med" len="med"/>
@@ -20547,8 +20549,8 @@
         </p:nvSpPr>
         <p:spPr bwMode="auto">
           <a:xfrm>
-            <a:off x="5948159" y="3650234"/>
-            <a:ext cx="1173784" cy="1285080"/>
+            <a:off x="4636190" y="3856975"/>
+            <a:ext cx="2305295" cy="1285080"/>
           </a:xfrm>
           <a:prstGeom prst="rect">
             <a:avLst/>
@@ -20664,8 +20666,8 @@
         </p:nvSpPr>
         <p:spPr bwMode="auto">
           <a:xfrm>
-            <a:off x="5948159" y="5413299"/>
-            <a:ext cx="1173784" cy="368433"/>
+            <a:off x="4636190" y="5254279"/>
+            <a:ext cx="2305295" cy="368433"/>
           </a:xfrm>
           <a:prstGeom prst="rect">
             <a:avLst/>
@@ -20734,8 +20736,8 @@
         </p:nvSpPr>
         <p:spPr bwMode="auto">
           <a:xfrm>
-            <a:off x="5948159" y="5867993"/>
-            <a:ext cx="1173784" cy="368433"/>
+            <a:off x="4636190" y="5708973"/>
+            <a:ext cx="2305295" cy="368433"/>
           </a:xfrm>
           <a:prstGeom prst="rect">
             <a:avLst/>
@@ -20813,8 +20815,8 @@
         </p:nvCxnSpPr>
         <p:spPr bwMode="auto">
           <a:xfrm>
-            <a:off x="5348802" y="1813356"/>
-            <a:ext cx="599357" cy="4238854"/>
+            <a:off x="4203815" y="4405481"/>
+            <a:ext cx="432375" cy="1487709"/>
           </a:xfrm>
           <a:prstGeom prst="bentConnector3">
             <a:avLst>
@@ -20857,19 +20859,19 @@
           </p:cNvPr>
           <p:cNvCxnSpPr>
             <a:cxnSpLocks/>
-            <a:stCxn id="18" idx="3"/>
+            <a:stCxn id="18" idx="1"/>
             <a:endCxn id="23" idx="1"/>
           </p:cNvCxnSpPr>
           <p:nvPr/>
         </p:nvCxnSpPr>
         <p:spPr bwMode="auto">
-          <a:xfrm flipV="1">
-            <a:off x="3849983" y="2283670"/>
-            <a:ext cx="325035" cy="1205416"/>
+          <a:xfrm rot="10800000" flipH="1" flipV="1">
+            <a:off x="2429705" y="3489085"/>
+            <a:ext cx="600326" cy="1386709"/>
           </a:xfrm>
           <a:prstGeom prst="bentConnector3">
             <a:avLst>
-              <a:gd name="adj1" fmla="val 50000"/>
+              <a:gd name="adj1" fmla="val -38079"/>
             </a:avLst>
           </a:prstGeom>
           <a:ln>
@@ -20913,7 +20915,7 @@
         </p:nvSpPr>
         <p:spPr bwMode="auto">
           <a:xfrm>
-            <a:off x="7192336" y="1629139"/>
+            <a:off x="7017406" y="1629139"/>
             <a:ext cx="2223314" cy="368433"/>
           </a:xfrm>
           <a:prstGeom prst="rect">
@@ -20990,7 +20992,7 @@
         </p:nvSpPr>
         <p:spPr bwMode="auto">
           <a:xfrm>
-            <a:off x="7192336" y="3650233"/>
+            <a:off x="7017406" y="3856974"/>
             <a:ext cx="2223314" cy="1285081"/>
           </a:xfrm>
           <a:prstGeom prst="rect">
@@ -21160,7 +21162,7 @@
         </p:nvSpPr>
         <p:spPr bwMode="auto">
           <a:xfrm>
-            <a:off x="7192336" y="5413299"/>
+            <a:off x="7017406" y="5254279"/>
             <a:ext cx="2223314" cy="368433"/>
           </a:xfrm>
           <a:prstGeom prst="rect">
@@ -21237,7 +21239,7 @@
         </p:nvSpPr>
         <p:spPr bwMode="auto">
           <a:xfrm>
-            <a:off x="7192336" y="5867993"/>
+            <a:off x="7017406" y="5708973"/>
             <a:ext cx="2223314" cy="368433"/>
           </a:xfrm>
           <a:prstGeom prst="rect">
@@ -21314,8 +21316,8 @@
         </p:nvSpPr>
         <p:spPr bwMode="auto">
           <a:xfrm>
-            <a:off x="5948159" y="2066530"/>
-            <a:ext cx="1173784" cy="368433"/>
+            <a:off x="4636190" y="2066530"/>
+            <a:ext cx="2305295" cy="368433"/>
           </a:xfrm>
           <a:prstGeom prst="rect">
             <a:avLst/>
@@ -21386,7 +21388,7 @@
                 <a:latin typeface="맑은 고딕" pitchFamily="50" charset="-127"/>
                 <a:ea typeface="맑은 고딕" pitchFamily="50" charset="-127"/>
               </a:rPr>
-              <a:t>파이썬</a:t>
+              <a:t>파이썬 기능 유틸리티</a:t>
             </a:r>
             <a:r>
               <a:rPr lang="en-US" altLang="ko-KR" sz="1300" dirty="0">
@@ -21424,7 +21426,7 @@
         </p:nvSpPr>
         <p:spPr bwMode="auto">
           <a:xfrm>
-            <a:off x="7192336" y="2066530"/>
+            <a:off x="7017406" y="2066530"/>
             <a:ext cx="2223314" cy="368433"/>
           </a:xfrm>
           <a:prstGeom prst="rect">
@@ -21534,8 +21536,8 @@
         </p:nvSpPr>
         <p:spPr bwMode="auto">
           <a:xfrm>
-            <a:off x="5948159" y="2502527"/>
-            <a:ext cx="1173784" cy="368433"/>
+            <a:off x="4636190" y="2502527"/>
+            <a:ext cx="2305295" cy="368433"/>
           </a:xfrm>
           <a:prstGeom prst="rect">
             <a:avLst/>
@@ -21644,7 +21646,7 @@
         </p:nvSpPr>
         <p:spPr bwMode="auto">
           <a:xfrm>
-            <a:off x="7192336" y="2502527"/>
+            <a:off x="7017406" y="2502527"/>
             <a:ext cx="2223314" cy="368433"/>
           </a:xfrm>
           <a:prstGeom prst="rect">
@@ -21754,8 +21756,8 @@
         </p:nvSpPr>
         <p:spPr bwMode="auto">
           <a:xfrm>
-            <a:off x="5948159" y="2949379"/>
-            <a:ext cx="1173784" cy="368433"/>
+            <a:off x="4636190" y="2949379"/>
+            <a:ext cx="2305295" cy="368433"/>
           </a:xfrm>
           <a:prstGeom prst="rect">
             <a:avLst/>
@@ -21826,7 +21828,7 @@
                 <a:latin typeface="맑은 고딕" pitchFamily="50" charset="-127"/>
                 <a:ea typeface="맑은 고딕" pitchFamily="50" charset="-127"/>
               </a:rPr>
-              <a:t>화면</a:t>
+              <a:t>외부 공통 라이브러리</a:t>
             </a:r>
             <a:r>
               <a:rPr lang="en-US" altLang="ko-KR" sz="1300" dirty="0">
@@ -21864,7 +21866,7 @@
         </p:nvSpPr>
         <p:spPr bwMode="auto">
           <a:xfrm>
-            <a:off x="7192336" y="2949379"/>
+            <a:off x="7017406" y="2949379"/>
             <a:ext cx="2223314" cy="368433"/>
           </a:xfrm>
           <a:prstGeom prst="rect">
@@ -21945,6 +21947,200 @@
               </a:rPr>
               <a:t>등 라이브러리</a:t>
             </a:r>
+          </a:p>
+        </p:txBody>
+      </p:sp>
+      <p:sp>
+        <p:nvSpPr>
+          <p:cNvPr id="31" name="Rectangle 16">
+            <a:extLst>
+              <a:ext uri="{FF2B5EF4-FFF2-40B4-BE49-F238E27FC236}">
+                <a16:creationId xmlns:a16="http://schemas.microsoft.com/office/drawing/2014/main" id="{3E260C26-D82B-4BE0-816D-2121567F2EBB}"/>
+              </a:ext>
+            </a:extLst>
+          </p:cNvPr>
+          <p:cNvSpPr>
+            <a:spLocks noChangeArrowheads="1"/>
+          </p:cNvSpPr>
+          <p:nvPr/>
+        </p:nvSpPr>
+        <p:spPr bwMode="auto">
+          <a:xfrm>
+            <a:off x="4636190" y="3395675"/>
+            <a:ext cx="2305295" cy="368433"/>
+          </a:xfrm>
+          <a:prstGeom prst="rect">
+            <a:avLst/>
+          </a:prstGeom>
+          <a:solidFill>
+            <a:srgbClr val="4C98CC">
+              <a:alpha val="9000"/>
+            </a:srgbClr>
+          </a:solidFill>
+          <a:ln w="3175">
+            <a:solidFill>
+              <a:schemeClr val="tx1">
+                <a:lumMod val="50000"/>
+                <a:lumOff val="50000"/>
+              </a:schemeClr>
+            </a:solidFill>
+          </a:ln>
+        </p:spPr>
+        <p:style>
+          <a:lnRef idx="2">
+            <a:schemeClr val="accent1">
+              <a:shade val="50000"/>
+            </a:schemeClr>
+          </a:lnRef>
+          <a:fillRef idx="1">
+            <a:schemeClr val="accent1"/>
+          </a:fillRef>
+          <a:effectRef idx="0">
+            <a:schemeClr val="accent1"/>
+          </a:effectRef>
+          <a:fontRef idx="minor">
+            <a:schemeClr val="lt1"/>
+          </a:fontRef>
+        </p:style>
+        <p:txBody>
+          <a:bodyPr anchor="ctr"/>
+          <a:lstStyle/>
+          <a:p>
+            <a:pPr marL="0" lvl="1" algn="ctr"/>
+            <a:r>
+              <a:rPr lang="en-US" altLang="ko-KR" sz="1300" dirty="0" err="1">
+                <a:solidFill>
+                  <a:schemeClr val="tx1"/>
+                </a:solidFill>
+                <a:latin typeface="맑은 고딕" pitchFamily="50" charset="-127"/>
+                <a:ea typeface="맑은 고딕" pitchFamily="50" charset="-127"/>
+              </a:rPr>
+              <a:t>static_template</a:t>
+            </a:r>
+            <a:endParaRPr lang="en-US" altLang="ko-KR" sz="1300" dirty="0">
+              <a:solidFill>
+                <a:schemeClr val="tx1"/>
+              </a:solidFill>
+              <a:latin typeface="맑은 고딕" pitchFamily="50" charset="-127"/>
+              <a:ea typeface="맑은 고딕" pitchFamily="50" charset="-127"/>
+            </a:endParaRPr>
+          </a:p>
+          <a:p>
+            <a:pPr marL="0" lvl="1" algn="ctr"/>
+            <a:r>
+              <a:rPr lang="en-US" altLang="ko-KR" sz="1300" dirty="0">
+                <a:solidFill>
+                  <a:schemeClr val="tx1"/>
+                </a:solidFill>
+                <a:latin typeface="맑은 고딕" pitchFamily="50" charset="-127"/>
+                <a:ea typeface="맑은 고딕" pitchFamily="50" charset="-127"/>
+              </a:rPr>
+              <a:t>(</a:t>
+            </a:r>
+            <a:r>
+              <a:rPr lang="ko-KR" altLang="en-US" sz="1300" dirty="0">
+                <a:solidFill>
+                  <a:schemeClr val="tx1"/>
+                </a:solidFill>
+                <a:latin typeface="맑은 고딕" pitchFamily="50" charset="-127"/>
+                <a:ea typeface="맑은 고딕" pitchFamily="50" charset="-127"/>
+              </a:rPr>
+              <a:t>내부 공통 라이브러리</a:t>
+            </a:r>
+            <a:r>
+              <a:rPr lang="en-US" altLang="ko-KR" sz="1300" dirty="0">
+                <a:solidFill>
+                  <a:schemeClr val="tx1"/>
+                </a:solidFill>
+                <a:latin typeface="맑은 고딕" pitchFamily="50" charset="-127"/>
+                <a:ea typeface="맑은 고딕" pitchFamily="50" charset="-127"/>
+              </a:rPr>
+              <a:t>)</a:t>
+            </a:r>
+            <a:endParaRPr lang="ko-KR" altLang="en-US" sz="1300" dirty="0">
+              <a:solidFill>
+                <a:schemeClr val="tx1"/>
+              </a:solidFill>
+              <a:latin typeface="맑은 고딕" pitchFamily="50" charset="-127"/>
+              <a:ea typeface="맑은 고딕" pitchFamily="50" charset="-127"/>
+            </a:endParaRPr>
+          </a:p>
+        </p:txBody>
+      </p:sp>
+      <p:sp>
+        <p:nvSpPr>
+          <p:cNvPr id="35" name="Rectangle 16">
+            <a:extLst>
+              <a:ext uri="{FF2B5EF4-FFF2-40B4-BE49-F238E27FC236}">
+                <a16:creationId xmlns:a16="http://schemas.microsoft.com/office/drawing/2014/main" id="{9862C9C8-FA87-4278-B347-A5BC49739479}"/>
+              </a:ext>
+            </a:extLst>
+          </p:cNvPr>
+          <p:cNvSpPr>
+            <a:spLocks noChangeArrowheads="1"/>
+          </p:cNvSpPr>
+          <p:nvPr/>
+        </p:nvSpPr>
+        <p:spPr bwMode="auto">
+          <a:xfrm>
+            <a:off x="7017406" y="3395675"/>
+            <a:ext cx="2223314" cy="368433"/>
+          </a:xfrm>
+          <a:prstGeom prst="rect">
+            <a:avLst/>
+          </a:prstGeom>
+          <a:solidFill>
+            <a:srgbClr val="4C98CC">
+              <a:alpha val="9000"/>
+            </a:srgbClr>
+          </a:solidFill>
+          <a:ln w="3175">
+            <a:solidFill>
+              <a:schemeClr val="tx1">
+                <a:lumMod val="50000"/>
+                <a:lumOff val="50000"/>
+              </a:schemeClr>
+            </a:solidFill>
+          </a:ln>
+        </p:spPr>
+        <p:style>
+          <a:lnRef idx="2">
+            <a:schemeClr val="accent1">
+              <a:shade val="50000"/>
+            </a:schemeClr>
+          </a:lnRef>
+          <a:fillRef idx="1">
+            <a:schemeClr val="accent1"/>
+          </a:fillRef>
+          <a:effectRef idx="0">
+            <a:schemeClr val="accent1"/>
+          </a:effectRef>
+          <a:fontRef idx="minor">
+            <a:schemeClr val="lt1"/>
+          </a:fontRef>
+        </p:style>
+        <p:txBody>
+          <a:bodyPr anchor="ctr"/>
+          <a:lstStyle/>
+          <a:p>
+            <a:pPr marL="0" lvl="1" algn="ctr"/>
+            <a:r>
+              <a:rPr lang="en-US" altLang="ko-KR" sz="1300" dirty="0">
+                <a:solidFill>
+                  <a:schemeClr val="tx1"/>
+                </a:solidFill>
+                <a:latin typeface="맑은 고딕" pitchFamily="50" charset="-127"/>
+                <a:ea typeface="맑은 고딕" pitchFamily="50" charset="-127"/>
+              </a:rPr>
+              <a:t>base.html</a:t>
+            </a:r>
+            <a:endParaRPr lang="ko-KR" altLang="en-US" sz="1300" dirty="0">
+              <a:solidFill>
+                <a:schemeClr val="tx1"/>
+              </a:solidFill>
+              <a:latin typeface="맑은 고딕" pitchFamily="50" charset="-127"/>
+              <a:ea typeface="맑은 고딕" pitchFamily="50" charset="-127"/>
+            </a:endParaRPr>
           </a:p>
         </p:txBody>
       </p:sp>
